--- a/docs/chap2_slide.pptx
+++ b/docs/chap2_slide.pptx
@@ -3160,6 +3160,10 @@
             </a:pPr>
             <a:br/>
             <a:br/>
+            <a:r>
+              <a:rPr/>
+              <a:t>《精通Excel数据统计与分析》</a:t>
+            </a:r>
           </a:p>
         </p:txBody>
       </p:sp>
